--- a/matome.pptx
+++ b/matome.pptx
@@ -10,6 +10,7 @@
     <p:sldId id="258" r:id="rId4"/>
     <p:sldId id="259" r:id="rId5"/>
     <p:sldId id="260" r:id="rId6"/>
+    <p:sldId id="261" r:id="rId7"/>
   </p:sldIdLst>
   <p:sldSz cx="12192000" cy="6858000"/>
   <p:notesSz cx="6858000" cy="9144000"/>
@@ -133,7 +134,7 @@
           <p:cNvPr id="2" name="タイトル 1">
             <a:extLst>
               <a:ext uri="{FF2B5EF4-FFF2-40B4-BE49-F238E27FC236}">
-                <a16:creationId xmlns:a16="http://schemas.microsoft.com/office/drawing/2014/main" id="{A2DD226A-5841-4F24-A479-0DBE7C3BE1C3}"/>
+                <a16:creationId xmlns:a16="http://schemas.microsoft.com/office/drawing/2014/main" id="{1B4DD38D-E442-4900-83FD-A1070C605407}"/>
               </a:ext>
             </a:extLst>
           </p:cNvPr>
@@ -170,7 +171,7 @@
           <p:cNvPr id="3" name="字幕 2">
             <a:extLst>
               <a:ext uri="{FF2B5EF4-FFF2-40B4-BE49-F238E27FC236}">
-                <a16:creationId xmlns:a16="http://schemas.microsoft.com/office/drawing/2014/main" id="{8E6D6B01-2666-44D0-B401-0E1869FE2AFF}"/>
+                <a16:creationId xmlns:a16="http://schemas.microsoft.com/office/drawing/2014/main" id="{976EBDD1-C587-4F27-8E87-C31CDEC13585}"/>
               </a:ext>
             </a:extLst>
           </p:cNvPr>
@@ -240,7 +241,7 @@
           <p:cNvPr id="4" name="日付プレースホルダー 3">
             <a:extLst>
               <a:ext uri="{FF2B5EF4-FFF2-40B4-BE49-F238E27FC236}">
-                <a16:creationId xmlns:a16="http://schemas.microsoft.com/office/drawing/2014/main" id="{4A47012A-0E24-476B-8630-F540AA919E44}"/>
+                <a16:creationId xmlns:a16="http://schemas.microsoft.com/office/drawing/2014/main" id="{81EE9704-500B-4602-B0A7-EBA88A90EC6F}"/>
               </a:ext>
             </a:extLst>
           </p:cNvPr>
@@ -256,7 +257,7 @@
           <a:bodyPr/>
           <a:lstStyle/>
           <a:p>
-            <a:fld id="{55637C89-12B0-46E0-BA09-2725E09CE6AD}" type="datetimeFigureOut">
+            <a:fld id="{F4B752F0-B167-4047-90A2-6A0EF4EE158B}" type="datetimeFigureOut">
               <a:rPr kumimoji="1" lang="ja-JP" altLang="en-US" smtClean="0"/>
               <a:t>2020/12/2</a:t>
             </a:fld>
@@ -269,7 +270,7 @@
           <p:cNvPr id="5" name="フッター プレースホルダー 4">
             <a:extLst>
               <a:ext uri="{FF2B5EF4-FFF2-40B4-BE49-F238E27FC236}">
-                <a16:creationId xmlns:a16="http://schemas.microsoft.com/office/drawing/2014/main" id="{CBA72DB8-3C45-4691-A017-A0F2E1D452BB}"/>
+                <a16:creationId xmlns:a16="http://schemas.microsoft.com/office/drawing/2014/main" id="{E9C1E5E0-9475-4FA2-A2AD-772A2264031A}"/>
               </a:ext>
             </a:extLst>
           </p:cNvPr>
@@ -294,7 +295,7 @@
           <p:cNvPr id="6" name="スライド番号プレースホルダー 5">
             <a:extLst>
               <a:ext uri="{FF2B5EF4-FFF2-40B4-BE49-F238E27FC236}">
-                <a16:creationId xmlns:a16="http://schemas.microsoft.com/office/drawing/2014/main" id="{7DAFB570-B589-45A9-B90E-2E096B390614}"/>
+                <a16:creationId xmlns:a16="http://schemas.microsoft.com/office/drawing/2014/main" id="{61B8E619-8B02-4F48-9838-794323F8A864}"/>
               </a:ext>
             </a:extLst>
           </p:cNvPr>
@@ -310,7 +311,7 @@
           <a:bodyPr/>
           <a:lstStyle/>
           <a:p>
-            <a:fld id="{47505DBD-E345-4A9D-8FD3-5E0ED5F2767B}" type="slidenum">
+            <a:fld id="{F92ECFDA-70EF-425D-B543-A99A83B4644A}" type="slidenum">
               <a:rPr kumimoji="1" lang="ja-JP" altLang="en-US" smtClean="0"/>
               <a:t>‹#›</a:t>
             </a:fld>
@@ -321,7 +322,7 @@
     </p:spTree>
     <p:extLst>
       <p:ext uri="{BB962C8B-B14F-4D97-AF65-F5344CB8AC3E}">
-        <p14:creationId xmlns:p14="http://schemas.microsoft.com/office/powerpoint/2010/main" val="2165142428"/>
+        <p14:creationId xmlns:p14="http://schemas.microsoft.com/office/powerpoint/2010/main" val="2663920397"/>
       </p:ext>
     </p:extLst>
   </p:cSld>
@@ -353,7 +354,7 @@
           <p:cNvPr id="2" name="タイトル 1">
             <a:extLst>
               <a:ext uri="{FF2B5EF4-FFF2-40B4-BE49-F238E27FC236}">
-                <a16:creationId xmlns:a16="http://schemas.microsoft.com/office/drawing/2014/main" id="{47ECB05F-CB3E-420F-BF6C-B16D2E488202}"/>
+                <a16:creationId xmlns:a16="http://schemas.microsoft.com/office/drawing/2014/main" id="{3D0A11AF-A3BC-4EFE-A6F3-7BA309DD540D}"/>
               </a:ext>
             </a:extLst>
           </p:cNvPr>
@@ -381,7 +382,7 @@
           <p:cNvPr id="3" name="縦書きテキスト プレースホルダー 2">
             <a:extLst>
               <a:ext uri="{FF2B5EF4-FFF2-40B4-BE49-F238E27FC236}">
-                <a16:creationId xmlns:a16="http://schemas.microsoft.com/office/drawing/2014/main" id="{74AD2E7F-C50A-4F54-A93A-DA59A746B608}"/>
+                <a16:creationId xmlns:a16="http://schemas.microsoft.com/office/drawing/2014/main" id="{DCD76C3C-5ACD-49FB-A858-C098C6C8EDBC}"/>
               </a:ext>
             </a:extLst>
           </p:cNvPr>
@@ -470,7 +471,7 @@
           <p:cNvPr id="4" name="日付プレースホルダー 3">
             <a:extLst>
               <a:ext uri="{FF2B5EF4-FFF2-40B4-BE49-F238E27FC236}">
-                <a16:creationId xmlns:a16="http://schemas.microsoft.com/office/drawing/2014/main" id="{FD3B34C4-0213-4903-9A52-E72CBF46A2F5}"/>
+                <a16:creationId xmlns:a16="http://schemas.microsoft.com/office/drawing/2014/main" id="{B6208060-2D94-4157-BAD8-C961913D21C1}"/>
               </a:ext>
             </a:extLst>
           </p:cNvPr>
@@ -486,7 +487,7 @@
           <a:bodyPr/>
           <a:lstStyle/>
           <a:p>
-            <a:fld id="{55637C89-12B0-46E0-BA09-2725E09CE6AD}" type="datetimeFigureOut">
+            <a:fld id="{F4B752F0-B167-4047-90A2-6A0EF4EE158B}" type="datetimeFigureOut">
               <a:rPr kumimoji="1" lang="ja-JP" altLang="en-US" smtClean="0"/>
               <a:t>2020/12/2</a:t>
             </a:fld>
@@ -499,7 +500,7 @@
           <p:cNvPr id="5" name="フッター プレースホルダー 4">
             <a:extLst>
               <a:ext uri="{FF2B5EF4-FFF2-40B4-BE49-F238E27FC236}">
-                <a16:creationId xmlns:a16="http://schemas.microsoft.com/office/drawing/2014/main" id="{FE38336B-7DA4-4EDA-86DA-4A57384BE917}"/>
+                <a16:creationId xmlns:a16="http://schemas.microsoft.com/office/drawing/2014/main" id="{66E891D6-5873-4C19-B29C-7BE650B0DE78}"/>
               </a:ext>
             </a:extLst>
           </p:cNvPr>
@@ -524,7 +525,7 @@
           <p:cNvPr id="6" name="スライド番号プレースホルダー 5">
             <a:extLst>
               <a:ext uri="{FF2B5EF4-FFF2-40B4-BE49-F238E27FC236}">
-                <a16:creationId xmlns:a16="http://schemas.microsoft.com/office/drawing/2014/main" id="{E4083C36-944E-459C-9132-239B6B0D0BCB}"/>
+                <a16:creationId xmlns:a16="http://schemas.microsoft.com/office/drawing/2014/main" id="{D6A1FD37-B7FA-401D-A0F1-915100EA60C2}"/>
               </a:ext>
             </a:extLst>
           </p:cNvPr>
@@ -540,7 +541,7 @@
           <a:bodyPr/>
           <a:lstStyle/>
           <a:p>
-            <a:fld id="{47505DBD-E345-4A9D-8FD3-5E0ED5F2767B}" type="slidenum">
+            <a:fld id="{F92ECFDA-70EF-425D-B543-A99A83B4644A}" type="slidenum">
               <a:rPr kumimoji="1" lang="ja-JP" altLang="en-US" smtClean="0"/>
               <a:t>‹#›</a:t>
             </a:fld>
@@ -551,7 +552,7 @@
     </p:spTree>
     <p:extLst>
       <p:ext uri="{BB962C8B-B14F-4D97-AF65-F5344CB8AC3E}">
-        <p14:creationId xmlns:p14="http://schemas.microsoft.com/office/powerpoint/2010/main" val="563092200"/>
+        <p14:creationId xmlns:p14="http://schemas.microsoft.com/office/powerpoint/2010/main" val="3015649587"/>
       </p:ext>
     </p:extLst>
   </p:cSld>
@@ -583,7 +584,7 @@
           <p:cNvPr id="2" name="縦書きタイトル 1">
             <a:extLst>
               <a:ext uri="{FF2B5EF4-FFF2-40B4-BE49-F238E27FC236}">
-                <a16:creationId xmlns:a16="http://schemas.microsoft.com/office/drawing/2014/main" id="{CFD1F913-A1E4-43B8-A76E-B234F3A226EC}"/>
+                <a16:creationId xmlns:a16="http://schemas.microsoft.com/office/drawing/2014/main" id="{6F6C2959-C334-4624-BCF0-75C1CBAF80D4}"/>
               </a:ext>
             </a:extLst>
           </p:cNvPr>
@@ -616,7 +617,7 @@
           <p:cNvPr id="3" name="縦書きテキスト プレースホルダー 2">
             <a:extLst>
               <a:ext uri="{FF2B5EF4-FFF2-40B4-BE49-F238E27FC236}">
-                <a16:creationId xmlns:a16="http://schemas.microsoft.com/office/drawing/2014/main" id="{24FC48C3-A280-44AD-B4A6-5114FB048FCE}"/>
+                <a16:creationId xmlns:a16="http://schemas.microsoft.com/office/drawing/2014/main" id="{327CF601-3753-44BB-A44B-33443A7E17A2}"/>
               </a:ext>
             </a:extLst>
           </p:cNvPr>
@@ -710,7 +711,7 @@
           <p:cNvPr id="4" name="日付プレースホルダー 3">
             <a:extLst>
               <a:ext uri="{FF2B5EF4-FFF2-40B4-BE49-F238E27FC236}">
-                <a16:creationId xmlns:a16="http://schemas.microsoft.com/office/drawing/2014/main" id="{A442CE5C-955A-4063-B7A3-17E8E011B6D5}"/>
+                <a16:creationId xmlns:a16="http://schemas.microsoft.com/office/drawing/2014/main" id="{DA1B6802-C0E1-46F3-88BB-86C1F0ED50AA}"/>
               </a:ext>
             </a:extLst>
           </p:cNvPr>
@@ -726,7 +727,7 @@
           <a:bodyPr/>
           <a:lstStyle/>
           <a:p>
-            <a:fld id="{55637C89-12B0-46E0-BA09-2725E09CE6AD}" type="datetimeFigureOut">
+            <a:fld id="{F4B752F0-B167-4047-90A2-6A0EF4EE158B}" type="datetimeFigureOut">
               <a:rPr kumimoji="1" lang="ja-JP" altLang="en-US" smtClean="0"/>
               <a:t>2020/12/2</a:t>
             </a:fld>
@@ -739,7 +740,7 @@
           <p:cNvPr id="5" name="フッター プレースホルダー 4">
             <a:extLst>
               <a:ext uri="{FF2B5EF4-FFF2-40B4-BE49-F238E27FC236}">
-                <a16:creationId xmlns:a16="http://schemas.microsoft.com/office/drawing/2014/main" id="{8011E23C-02C6-4129-9703-8CD9F8FF6AEE}"/>
+                <a16:creationId xmlns:a16="http://schemas.microsoft.com/office/drawing/2014/main" id="{D5DDC06C-7A98-4C03-9758-846F0F7A5A80}"/>
               </a:ext>
             </a:extLst>
           </p:cNvPr>
@@ -764,7 +765,7 @@
           <p:cNvPr id="6" name="スライド番号プレースホルダー 5">
             <a:extLst>
               <a:ext uri="{FF2B5EF4-FFF2-40B4-BE49-F238E27FC236}">
-                <a16:creationId xmlns:a16="http://schemas.microsoft.com/office/drawing/2014/main" id="{87C9A4AB-7FD8-4D09-A854-D9DDF15FEE30}"/>
+                <a16:creationId xmlns:a16="http://schemas.microsoft.com/office/drawing/2014/main" id="{86E25C64-D6B9-44AB-8164-CD9B62FC2890}"/>
               </a:ext>
             </a:extLst>
           </p:cNvPr>
@@ -780,7 +781,7 @@
           <a:bodyPr/>
           <a:lstStyle/>
           <a:p>
-            <a:fld id="{47505DBD-E345-4A9D-8FD3-5E0ED5F2767B}" type="slidenum">
+            <a:fld id="{F92ECFDA-70EF-425D-B543-A99A83B4644A}" type="slidenum">
               <a:rPr kumimoji="1" lang="ja-JP" altLang="en-US" smtClean="0"/>
               <a:t>‹#›</a:t>
             </a:fld>
@@ -791,7 +792,7 @@
     </p:spTree>
     <p:extLst>
       <p:ext uri="{BB962C8B-B14F-4D97-AF65-F5344CB8AC3E}">
-        <p14:creationId xmlns:p14="http://schemas.microsoft.com/office/powerpoint/2010/main" val="2550817651"/>
+        <p14:creationId xmlns:p14="http://schemas.microsoft.com/office/powerpoint/2010/main" val="1210859183"/>
       </p:ext>
     </p:extLst>
   </p:cSld>
@@ -823,7 +824,7 @@
           <p:cNvPr id="2" name="タイトル 1">
             <a:extLst>
               <a:ext uri="{FF2B5EF4-FFF2-40B4-BE49-F238E27FC236}">
-                <a16:creationId xmlns:a16="http://schemas.microsoft.com/office/drawing/2014/main" id="{6DE8D71E-BDD9-452D-9FB5-8923B3FA5A7F}"/>
+                <a16:creationId xmlns:a16="http://schemas.microsoft.com/office/drawing/2014/main" id="{7C7E298A-50EF-4A1F-8825-8F92B994414C}"/>
               </a:ext>
             </a:extLst>
           </p:cNvPr>
@@ -851,7 +852,7 @@
           <p:cNvPr id="3" name="コンテンツ プレースホルダー 2">
             <a:extLst>
               <a:ext uri="{FF2B5EF4-FFF2-40B4-BE49-F238E27FC236}">
-                <a16:creationId xmlns:a16="http://schemas.microsoft.com/office/drawing/2014/main" id="{6049B4DC-D6AD-41B6-ADC8-CAE2545F8798}"/>
+                <a16:creationId xmlns:a16="http://schemas.microsoft.com/office/drawing/2014/main" id="{7A414F09-E13C-4DC2-8B6F-B81F2073F44D}"/>
               </a:ext>
             </a:extLst>
           </p:cNvPr>
@@ -940,7 +941,7 @@
           <p:cNvPr id="4" name="日付プレースホルダー 3">
             <a:extLst>
               <a:ext uri="{FF2B5EF4-FFF2-40B4-BE49-F238E27FC236}">
-                <a16:creationId xmlns:a16="http://schemas.microsoft.com/office/drawing/2014/main" id="{8B8105CB-7986-4694-A784-D1BA8DFC10CD}"/>
+                <a16:creationId xmlns:a16="http://schemas.microsoft.com/office/drawing/2014/main" id="{CBA903D7-C294-462C-AE13-1E057C1DEB6F}"/>
               </a:ext>
             </a:extLst>
           </p:cNvPr>
@@ -956,7 +957,7 @@
           <a:bodyPr/>
           <a:lstStyle/>
           <a:p>
-            <a:fld id="{55637C89-12B0-46E0-BA09-2725E09CE6AD}" type="datetimeFigureOut">
+            <a:fld id="{F4B752F0-B167-4047-90A2-6A0EF4EE158B}" type="datetimeFigureOut">
               <a:rPr kumimoji="1" lang="ja-JP" altLang="en-US" smtClean="0"/>
               <a:t>2020/12/2</a:t>
             </a:fld>
@@ -969,7 +970,7 @@
           <p:cNvPr id="5" name="フッター プレースホルダー 4">
             <a:extLst>
               <a:ext uri="{FF2B5EF4-FFF2-40B4-BE49-F238E27FC236}">
-                <a16:creationId xmlns:a16="http://schemas.microsoft.com/office/drawing/2014/main" id="{A2973A1F-D3AB-47A4-A275-FCAA6FA8A7E2}"/>
+                <a16:creationId xmlns:a16="http://schemas.microsoft.com/office/drawing/2014/main" id="{B0759D40-C0CC-42B4-A810-146CD8F3BDCC}"/>
               </a:ext>
             </a:extLst>
           </p:cNvPr>
@@ -994,7 +995,7 @@
           <p:cNvPr id="6" name="スライド番号プレースホルダー 5">
             <a:extLst>
               <a:ext uri="{FF2B5EF4-FFF2-40B4-BE49-F238E27FC236}">
-                <a16:creationId xmlns:a16="http://schemas.microsoft.com/office/drawing/2014/main" id="{261A5E6D-1CF4-4788-8486-2DD9F7F2B617}"/>
+                <a16:creationId xmlns:a16="http://schemas.microsoft.com/office/drawing/2014/main" id="{2C31B950-DAC5-4C5C-9ACF-CD32BAC22607}"/>
               </a:ext>
             </a:extLst>
           </p:cNvPr>
@@ -1010,7 +1011,7 @@
           <a:bodyPr/>
           <a:lstStyle/>
           <a:p>
-            <a:fld id="{47505DBD-E345-4A9D-8FD3-5E0ED5F2767B}" type="slidenum">
+            <a:fld id="{F92ECFDA-70EF-425D-B543-A99A83B4644A}" type="slidenum">
               <a:rPr kumimoji="1" lang="ja-JP" altLang="en-US" smtClean="0"/>
               <a:t>‹#›</a:t>
             </a:fld>
@@ -1021,7 +1022,7 @@
     </p:spTree>
     <p:extLst>
       <p:ext uri="{BB962C8B-B14F-4D97-AF65-F5344CB8AC3E}">
-        <p14:creationId xmlns:p14="http://schemas.microsoft.com/office/powerpoint/2010/main" val="1878208520"/>
+        <p14:creationId xmlns:p14="http://schemas.microsoft.com/office/powerpoint/2010/main" val="284084633"/>
       </p:ext>
     </p:extLst>
   </p:cSld>
@@ -1053,7 +1054,7 @@
           <p:cNvPr id="2" name="タイトル 1">
             <a:extLst>
               <a:ext uri="{FF2B5EF4-FFF2-40B4-BE49-F238E27FC236}">
-                <a16:creationId xmlns:a16="http://schemas.microsoft.com/office/drawing/2014/main" id="{D4539FF6-6E7B-4CC6-80A1-3685E0A47702}"/>
+                <a16:creationId xmlns:a16="http://schemas.microsoft.com/office/drawing/2014/main" id="{64697254-3972-4CDC-B57A-9121A2A75A08}"/>
               </a:ext>
             </a:extLst>
           </p:cNvPr>
@@ -1090,7 +1091,7 @@
           <p:cNvPr id="3" name="テキスト プレースホルダー 2">
             <a:extLst>
               <a:ext uri="{FF2B5EF4-FFF2-40B4-BE49-F238E27FC236}">
-                <a16:creationId xmlns:a16="http://schemas.microsoft.com/office/drawing/2014/main" id="{62964375-FC9C-469E-A6E0-F73447A2D741}"/>
+                <a16:creationId xmlns:a16="http://schemas.microsoft.com/office/drawing/2014/main" id="{D322A0AF-BE45-47E0-AA96-5C8F58BD49E3}"/>
               </a:ext>
             </a:extLst>
           </p:cNvPr>
@@ -1215,7 +1216,7 @@
           <p:cNvPr id="4" name="日付プレースホルダー 3">
             <a:extLst>
               <a:ext uri="{FF2B5EF4-FFF2-40B4-BE49-F238E27FC236}">
-                <a16:creationId xmlns:a16="http://schemas.microsoft.com/office/drawing/2014/main" id="{59E6DBBB-43A9-43D2-B178-4A714148F041}"/>
+                <a16:creationId xmlns:a16="http://schemas.microsoft.com/office/drawing/2014/main" id="{576D24EE-9CA5-4C58-80C8-17B82AF24CE8}"/>
               </a:ext>
             </a:extLst>
           </p:cNvPr>
@@ -1231,7 +1232,7 @@
           <a:bodyPr/>
           <a:lstStyle/>
           <a:p>
-            <a:fld id="{55637C89-12B0-46E0-BA09-2725E09CE6AD}" type="datetimeFigureOut">
+            <a:fld id="{F4B752F0-B167-4047-90A2-6A0EF4EE158B}" type="datetimeFigureOut">
               <a:rPr kumimoji="1" lang="ja-JP" altLang="en-US" smtClean="0"/>
               <a:t>2020/12/2</a:t>
             </a:fld>
@@ -1244,7 +1245,7 @@
           <p:cNvPr id="5" name="フッター プレースホルダー 4">
             <a:extLst>
               <a:ext uri="{FF2B5EF4-FFF2-40B4-BE49-F238E27FC236}">
-                <a16:creationId xmlns:a16="http://schemas.microsoft.com/office/drawing/2014/main" id="{67142461-D2F3-4C5A-B822-E8FB05DD61E2}"/>
+                <a16:creationId xmlns:a16="http://schemas.microsoft.com/office/drawing/2014/main" id="{BAA45460-2182-420C-8B5A-82119666F193}"/>
               </a:ext>
             </a:extLst>
           </p:cNvPr>
@@ -1269,7 +1270,7 @@
           <p:cNvPr id="6" name="スライド番号プレースホルダー 5">
             <a:extLst>
               <a:ext uri="{FF2B5EF4-FFF2-40B4-BE49-F238E27FC236}">
-                <a16:creationId xmlns:a16="http://schemas.microsoft.com/office/drawing/2014/main" id="{95DB594A-2CA6-4667-9564-A50FA75FEE2A}"/>
+                <a16:creationId xmlns:a16="http://schemas.microsoft.com/office/drawing/2014/main" id="{AA674CA3-DF61-46EC-BAB5-C4E1F7325909}"/>
               </a:ext>
             </a:extLst>
           </p:cNvPr>
@@ -1285,7 +1286,7 @@
           <a:bodyPr/>
           <a:lstStyle/>
           <a:p>
-            <a:fld id="{47505DBD-E345-4A9D-8FD3-5E0ED5F2767B}" type="slidenum">
+            <a:fld id="{F92ECFDA-70EF-425D-B543-A99A83B4644A}" type="slidenum">
               <a:rPr kumimoji="1" lang="ja-JP" altLang="en-US" smtClean="0"/>
               <a:t>‹#›</a:t>
             </a:fld>
@@ -1296,7 +1297,7 @@
     </p:spTree>
     <p:extLst>
       <p:ext uri="{BB962C8B-B14F-4D97-AF65-F5344CB8AC3E}">
-        <p14:creationId xmlns:p14="http://schemas.microsoft.com/office/powerpoint/2010/main" val="1198357453"/>
+        <p14:creationId xmlns:p14="http://schemas.microsoft.com/office/powerpoint/2010/main" val="105949583"/>
       </p:ext>
     </p:extLst>
   </p:cSld>
@@ -1328,7 +1329,7 @@
           <p:cNvPr id="2" name="タイトル 1">
             <a:extLst>
               <a:ext uri="{FF2B5EF4-FFF2-40B4-BE49-F238E27FC236}">
-                <a16:creationId xmlns:a16="http://schemas.microsoft.com/office/drawing/2014/main" id="{3044118E-30E4-4970-A885-DD06354CD141}"/>
+                <a16:creationId xmlns:a16="http://schemas.microsoft.com/office/drawing/2014/main" id="{CA756EB4-C92F-48EE-8669-9703346448A6}"/>
               </a:ext>
             </a:extLst>
           </p:cNvPr>
@@ -1356,7 +1357,7 @@
           <p:cNvPr id="3" name="コンテンツ プレースホルダー 2">
             <a:extLst>
               <a:ext uri="{FF2B5EF4-FFF2-40B4-BE49-F238E27FC236}">
-                <a16:creationId xmlns:a16="http://schemas.microsoft.com/office/drawing/2014/main" id="{7AC99E4E-3AC0-433D-8B6F-74AA8F6B1D41}"/>
+                <a16:creationId xmlns:a16="http://schemas.microsoft.com/office/drawing/2014/main" id="{563DA15F-EE93-41E0-A90E-F2DA7E361B26}"/>
               </a:ext>
             </a:extLst>
           </p:cNvPr>
@@ -1450,7 +1451,7 @@
           <p:cNvPr id="4" name="コンテンツ プレースホルダー 3">
             <a:extLst>
               <a:ext uri="{FF2B5EF4-FFF2-40B4-BE49-F238E27FC236}">
-                <a16:creationId xmlns:a16="http://schemas.microsoft.com/office/drawing/2014/main" id="{F8AA399A-7312-46BF-8F63-B2D1EEC75C0E}"/>
+                <a16:creationId xmlns:a16="http://schemas.microsoft.com/office/drawing/2014/main" id="{64A8FDDE-B35E-4583-9D04-28D5176E9FDE}"/>
               </a:ext>
             </a:extLst>
           </p:cNvPr>
@@ -1544,7 +1545,7 @@
           <p:cNvPr id="5" name="日付プレースホルダー 4">
             <a:extLst>
               <a:ext uri="{FF2B5EF4-FFF2-40B4-BE49-F238E27FC236}">
-                <a16:creationId xmlns:a16="http://schemas.microsoft.com/office/drawing/2014/main" id="{90A62AAB-5F93-4053-A8E4-32D229C29A6D}"/>
+                <a16:creationId xmlns:a16="http://schemas.microsoft.com/office/drawing/2014/main" id="{2AD98BE9-F648-46D2-A638-0C2629B63155}"/>
               </a:ext>
             </a:extLst>
           </p:cNvPr>
@@ -1560,7 +1561,7 @@
           <a:bodyPr/>
           <a:lstStyle/>
           <a:p>
-            <a:fld id="{55637C89-12B0-46E0-BA09-2725E09CE6AD}" type="datetimeFigureOut">
+            <a:fld id="{F4B752F0-B167-4047-90A2-6A0EF4EE158B}" type="datetimeFigureOut">
               <a:rPr kumimoji="1" lang="ja-JP" altLang="en-US" smtClean="0"/>
               <a:t>2020/12/2</a:t>
             </a:fld>
@@ -1573,7 +1574,7 @@
           <p:cNvPr id="6" name="フッター プレースホルダー 5">
             <a:extLst>
               <a:ext uri="{FF2B5EF4-FFF2-40B4-BE49-F238E27FC236}">
-                <a16:creationId xmlns:a16="http://schemas.microsoft.com/office/drawing/2014/main" id="{2E2B9ECB-43E7-459F-8C2C-E1B9EDFDFFA6}"/>
+                <a16:creationId xmlns:a16="http://schemas.microsoft.com/office/drawing/2014/main" id="{25540A27-2A4B-402B-99E5-791760FB5FA2}"/>
               </a:ext>
             </a:extLst>
           </p:cNvPr>
@@ -1598,7 +1599,7 @@
           <p:cNvPr id="7" name="スライド番号プレースホルダー 6">
             <a:extLst>
               <a:ext uri="{FF2B5EF4-FFF2-40B4-BE49-F238E27FC236}">
-                <a16:creationId xmlns:a16="http://schemas.microsoft.com/office/drawing/2014/main" id="{5BCEE09A-2C19-4347-8AA4-2F92C7006B4E}"/>
+                <a16:creationId xmlns:a16="http://schemas.microsoft.com/office/drawing/2014/main" id="{B5EEE2E1-92A4-479C-8CF0-E7E4CCD8B65B}"/>
               </a:ext>
             </a:extLst>
           </p:cNvPr>
@@ -1614,7 +1615,7 @@
           <a:bodyPr/>
           <a:lstStyle/>
           <a:p>
-            <a:fld id="{47505DBD-E345-4A9D-8FD3-5E0ED5F2767B}" type="slidenum">
+            <a:fld id="{F92ECFDA-70EF-425D-B543-A99A83B4644A}" type="slidenum">
               <a:rPr kumimoji="1" lang="ja-JP" altLang="en-US" smtClean="0"/>
               <a:t>‹#›</a:t>
             </a:fld>
@@ -1625,7 +1626,7 @@
     </p:spTree>
     <p:extLst>
       <p:ext uri="{BB962C8B-B14F-4D97-AF65-F5344CB8AC3E}">
-        <p14:creationId xmlns:p14="http://schemas.microsoft.com/office/powerpoint/2010/main" val="1016358375"/>
+        <p14:creationId xmlns:p14="http://schemas.microsoft.com/office/powerpoint/2010/main" val="3703956278"/>
       </p:ext>
     </p:extLst>
   </p:cSld>
@@ -1657,7 +1658,7 @@
           <p:cNvPr id="2" name="タイトル 1">
             <a:extLst>
               <a:ext uri="{FF2B5EF4-FFF2-40B4-BE49-F238E27FC236}">
-                <a16:creationId xmlns:a16="http://schemas.microsoft.com/office/drawing/2014/main" id="{93AC60E6-F566-4638-939A-386116526D4F}"/>
+                <a16:creationId xmlns:a16="http://schemas.microsoft.com/office/drawing/2014/main" id="{10B52524-67E0-463F-A767-40D90A3CAE27}"/>
               </a:ext>
             </a:extLst>
           </p:cNvPr>
@@ -1690,7 +1691,7 @@
           <p:cNvPr id="3" name="テキスト プレースホルダー 2">
             <a:extLst>
               <a:ext uri="{FF2B5EF4-FFF2-40B4-BE49-F238E27FC236}">
-                <a16:creationId xmlns:a16="http://schemas.microsoft.com/office/drawing/2014/main" id="{79E3FAB6-5FD8-4477-A5C0-824031EA3145}"/>
+                <a16:creationId xmlns:a16="http://schemas.microsoft.com/office/drawing/2014/main" id="{1F91C1DB-C4BD-48BB-9693-607FF3425A05}"/>
               </a:ext>
             </a:extLst>
           </p:cNvPr>
@@ -1761,7 +1762,7 @@
           <p:cNvPr id="4" name="コンテンツ プレースホルダー 3">
             <a:extLst>
               <a:ext uri="{FF2B5EF4-FFF2-40B4-BE49-F238E27FC236}">
-                <a16:creationId xmlns:a16="http://schemas.microsoft.com/office/drawing/2014/main" id="{74D61B2A-4893-4A91-BABD-388623A20E4A}"/>
+                <a16:creationId xmlns:a16="http://schemas.microsoft.com/office/drawing/2014/main" id="{9C219D10-FE65-4283-9EE8-8CB8C773E7BC}"/>
               </a:ext>
             </a:extLst>
           </p:cNvPr>
@@ -1855,7 +1856,7 @@
           <p:cNvPr id="5" name="テキスト プレースホルダー 4">
             <a:extLst>
               <a:ext uri="{FF2B5EF4-FFF2-40B4-BE49-F238E27FC236}">
-                <a16:creationId xmlns:a16="http://schemas.microsoft.com/office/drawing/2014/main" id="{56CAD3F0-27F0-4D26-96D3-5339E11C6A31}"/>
+                <a16:creationId xmlns:a16="http://schemas.microsoft.com/office/drawing/2014/main" id="{265308E9-A4FA-43B4-94DB-C339F7524D03}"/>
               </a:ext>
             </a:extLst>
           </p:cNvPr>
@@ -1926,7 +1927,7 @@
           <p:cNvPr id="6" name="コンテンツ プレースホルダー 5">
             <a:extLst>
               <a:ext uri="{FF2B5EF4-FFF2-40B4-BE49-F238E27FC236}">
-                <a16:creationId xmlns:a16="http://schemas.microsoft.com/office/drawing/2014/main" id="{6A319729-2C56-4AA8-948D-C12E3B024971}"/>
+                <a16:creationId xmlns:a16="http://schemas.microsoft.com/office/drawing/2014/main" id="{AF7A582D-EE16-45C2-8DE0-D897707757D0}"/>
               </a:ext>
             </a:extLst>
           </p:cNvPr>
@@ -2020,7 +2021,7 @@
           <p:cNvPr id="7" name="日付プレースホルダー 6">
             <a:extLst>
               <a:ext uri="{FF2B5EF4-FFF2-40B4-BE49-F238E27FC236}">
-                <a16:creationId xmlns:a16="http://schemas.microsoft.com/office/drawing/2014/main" id="{C8539A92-FF98-4BED-8BCD-421746C108B9}"/>
+                <a16:creationId xmlns:a16="http://schemas.microsoft.com/office/drawing/2014/main" id="{C68C3D2A-A3C5-4E6A-8C11-C252FFE67E0A}"/>
               </a:ext>
             </a:extLst>
           </p:cNvPr>
@@ -2036,7 +2037,7 @@
           <a:bodyPr/>
           <a:lstStyle/>
           <a:p>
-            <a:fld id="{55637C89-12B0-46E0-BA09-2725E09CE6AD}" type="datetimeFigureOut">
+            <a:fld id="{F4B752F0-B167-4047-90A2-6A0EF4EE158B}" type="datetimeFigureOut">
               <a:rPr kumimoji="1" lang="ja-JP" altLang="en-US" smtClean="0"/>
               <a:t>2020/12/2</a:t>
             </a:fld>
@@ -2049,7 +2050,7 @@
           <p:cNvPr id="8" name="フッター プレースホルダー 7">
             <a:extLst>
               <a:ext uri="{FF2B5EF4-FFF2-40B4-BE49-F238E27FC236}">
-                <a16:creationId xmlns:a16="http://schemas.microsoft.com/office/drawing/2014/main" id="{0942B99F-0DF1-476F-9CE8-81AEF6B3806B}"/>
+                <a16:creationId xmlns:a16="http://schemas.microsoft.com/office/drawing/2014/main" id="{2EEEEE61-5CF3-4221-93B8-37B6821BDB5C}"/>
               </a:ext>
             </a:extLst>
           </p:cNvPr>
@@ -2074,7 +2075,7 @@
           <p:cNvPr id="9" name="スライド番号プレースホルダー 8">
             <a:extLst>
               <a:ext uri="{FF2B5EF4-FFF2-40B4-BE49-F238E27FC236}">
-                <a16:creationId xmlns:a16="http://schemas.microsoft.com/office/drawing/2014/main" id="{F1CC3EE3-4CB3-4023-9F41-99B8673E312B}"/>
+                <a16:creationId xmlns:a16="http://schemas.microsoft.com/office/drawing/2014/main" id="{4CFEC6BB-7C9A-4E43-BB4F-34956390D51A}"/>
               </a:ext>
             </a:extLst>
           </p:cNvPr>
@@ -2090,7 +2091,7 @@
           <a:bodyPr/>
           <a:lstStyle/>
           <a:p>
-            <a:fld id="{47505DBD-E345-4A9D-8FD3-5E0ED5F2767B}" type="slidenum">
+            <a:fld id="{F92ECFDA-70EF-425D-B543-A99A83B4644A}" type="slidenum">
               <a:rPr kumimoji="1" lang="ja-JP" altLang="en-US" smtClean="0"/>
               <a:t>‹#›</a:t>
             </a:fld>
@@ -2101,7 +2102,7 @@
     </p:spTree>
     <p:extLst>
       <p:ext uri="{BB962C8B-B14F-4D97-AF65-F5344CB8AC3E}">
-        <p14:creationId xmlns:p14="http://schemas.microsoft.com/office/powerpoint/2010/main" val="4050621076"/>
+        <p14:creationId xmlns:p14="http://schemas.microsoft.com/office/powerpoint/2010/main" val="3809299825"/>
       </p:ext>
     </p:extLst>
   </p:cSld>
@@ -2133,7 +2134,7 @@
           <p:cNvPr id="2" name="タイトル 1">
             <a:extLst>
               <a:ext uri="{FF2B5EF4-FFF2-40B4-BE49-F238E27FC236}">
-                <a16:creationId xmlns:a16="http://schemas.microsoft.com/office/drawing/2014/main" id="{096F7FB0-3956-454E-9245-EAE4A3458745}"/>
+                <a16:creationId xmlns:a16="http://schemas.microsoft.com/office/drawing/2014/main" id="{BD167022-DA28-41BA-9A67-83862EA48411}"/>
               </a:ext>
             </a:extLst>
           </p:cNvPr>
@@ -2161,7 +2162,7 @@
           <p:cNvPr id="3" name="日付プレースホルダー 2">
             <a:extLst>
               <a:ext uri="{FF2B5EF4-FFF2-40B4-BE49-F238E27FC236}">
-                <a16:creationId xmlns:a16="http://schemas.microsoft.com/office/drawing/2014/main" id="{56B288E3-C755-48F8-BEBA-A9CE65CE9C22}"/>
+                <a16:creationId xmlns:a16="http://schemas.microsoft.com/office/drawing/2014/main" id="{95B52376-BBDB-4807-8A9D-6390089B45B6}"/>
               </a:ext>
             </a:extLst>
           </p:cNvPr>
@@ -2177,7 +2178,7 @@
           <a:bodyPr/>
           <a:lstStyle/>
           <a:p>
-            <a:fld id="{55637C89-12B0-46E0-BA09-2725E09CE6AD}" type="datetimeFigureOut">
+            <a:fld id="{F4B752F0-B167-4047-90A2-6A0EF4EE158B}" type="datetimeFigureOut">
               <a:rPr kumimoji="1" lang="ja-JP" altLang="en-US" smtClean="0"/>
               <a:t>2020/12/2</a:t>
             </a:fld>
@@ -2190,7 +2191,7 @@
           <p:cNvPr id="4" name="フッター プレースホルダー 3">
             <a:extLst>
               <a:ext uri="{FF2B5EF4-FFF2-40B4-BE49-F238E27FC236}">
-                <a16:creationId xmlns:a16="http://schemas.microsoft.com/office/drawing/2014/main" id="{A2D4FABB-A44C-4E91-A6A0-0F74B5B21AE0}"/>
+                <a16:creationId xmlns:a16="http://schemas.microsoft.com/office/drawing/2014/main" id="{183D2082-0F07-43CA-AEB3-A79AFACB65F9}"/>
               </a:ext>
             </a:extLst>
           </p:cNvPr>
@@ -2215,7 +2216,7 @@
           <p:cNvPr id="5" name="スライド番号プレースホルダー 4">
             <a:extLst>
               <a:ext uri="{FF2B5EF4-FFF2-40B4-BE49-F238E27FC236}">
-                <a16:creationId xmlns:a16="http://schemas.microsoft.com/office/drawing/2014/main" id="{13DE57BB-8DD0-47E1-8168-DEA056094A5A}"/>
+                <a16:creationId xmlns:a16="http://schemas.microsoft.com/office/drawing/2014/main" id="{9847603F-3E8C-4B00-84DA-B66C75618627}"/>
               </a:ext>
             </a:extLst>
           </p:cNvPr>
@@ -2231,7 +2232,7 @@
           <a:bodyPr/>
           <a:lstStyle/>
           <a:p>
-            <a:fld id="{47505DBD-E345-4A9D-8FD3-5E0ED5F2767B}" type="slidenum">
+            <a:fld id="{F92ECFDA-70EF-425D-B543-A99A83B4644A}" type="slidenum">
               <a:rPr kumimoji="1" lang="ja-JP" altLang="en-US" smtClean="0"/>
               <a:t>‹#›</a:t>
             </a:fld>
@@ -2242,7 +2243,7 @@
     </p:spTree>
     <p:extLst>
       <p:ext uri="{BB962C8B-B14F-4D97-AF65-F5344CB8AC3E}">
-        <p14:creationId xmlns:p14="http://schemas.microsoft.com/office/powerpoint/2010/main" val="313668078"/>
+        <p14:creationId xmlns:p14="http://schemas.microsoft.com/office/powerpoint/2010/main" val="545472986"/>
       </p:ext>
     </p:extLst>
   </p:cSld>
@@ -2274,7 +2275,7 @@
           <p:cNvPr id="2" name="日付プレースホルダー 1">
             <a:extLst>
               <a:ext uri="{FF2B5EF4-FFF2-40B4-BE49-F238E27FC236}">
-                <a16:creationId xmlns:a16="http://schemas.microsoft.com/office/drawing/2014/main" id="{FDD64592-F3EB-48CF-9DCF-F3A1B4589011}"/>
+                <a16:creationId xmlns:a16="http://schemas.microsoft.com/office/drawing/2014/main" id="{7DED4D1A-9614-4FD1-91B3-B52B1002574A}"/>
               </a:ext>
             </a:extLst>
           </p:cNvPr>
@@ -2290,7 +2291,7 @@
           <a:bodyPr/>
           <a:lstStyle/>
           <a:p>
-            <a:fld id="{55637C89-12B0-46E0-BA09-2725E09CE6AD}" type="datetimeFigureOut">
+            <a:fld id="{F4B752F0-B167-4047-90A2-6A0EF4EE158B}" type="datetimeFigureOut">
               <a:rPr kumimoji="1" lang="ja-JP" altLang="en-US" smtClean="0"/>
               <a:t>2020/12/2</a:t>
             </a:fld>
@@ -2303,7 +2304,7 @@
           <p:cNvPr id="3" name="フッター プレースホルダー 2">
             <a:extLst>
               <a:ext uri="{FF2B5EF4-FFF2-40B4-BE49-F238E27FC236}">
-                <a16:creationId xmlns:a16="http://schemas.microsoft.com/office/drawing/2014/main" id="{2B364FA4-7A79-49D3-A570-2E02F26AFE69}"/>
+                <a16:creationId xmlns:a16="http://schemas.microsoft.com/office/drawing/2014/main" id="{54FE06A4-105E-4C22-956F-1C5CA10C494B}"/>
               </a:ext>
             </a:extLst>
           </p:cNvPr>
@@ -2328,7 +2329,7 @@
           <p:cNvPr id="4" name="スライド番号プレースホルダー 3">
             <a:extLst>
               <a:ext uri="{FF2B5EF4-FFF2-40B4-BE49-F238E27FC236}">
-                <a16:creationId xmlns:a16="http://schemas.microsoft.com/office/drawing/2014/main" id="{F7708828-13CB-455A-8066-5B2E855ED18E}"/>
+                <a16:creationId xmlns:a16="http://schemas.microsoft.com/office/drawing/2014/main" id="{BA026019-0B12-435B-9F45-FF493AEA2991}"/>
               </a:ext>
             </a:extLst>
           </p:cNvPr>
@@ -2344,7 +2345,7 @@
           <a:bodyPr/>
           <a:lstStyle/>
           <a:p>
-            <a:fld id="{47505DBD-E345-4A9D-8FD3-5E0ED5F2767B}" type="slidenum">
+            <a:fld id="{F92ECFDA-70EF-425D-B543-A99A83B4644A}" type="slidenum">
               <a:rPr kumimoji="1" lang="ja-JP" altLang="en-US" smtClean="0"/>
               <a:t>‹#›</a:t>
             </a:fld>
@@ -2355,7 +2356,7 @@
     </p:spTree>
     <p:extLst>
       <p:ext uri="{BB962C8B-B14F-4D97-AF65-F5344CB8AC3E}">
-        <p14:creationId xmlns:p14="http://schemas.microsoft.com/office/powerpoint/2010/main" val="355099925"/>
+        <p14:creationId xmlns:p14="http://schemas.microsoft.com/office/powerpoint/2010/main" val="2011590775"/>
       </p:ext>
     </p:extLst>
   </p:cSld>
@@ -2387,7 +2388,7 @@
           <p:cNvPr id="2" name="タイトル 1">
             <a:extLst>
               <a:ext uri="{FF2B5EF4-FFF2-40B4-BE49-F238E27FC236}">
-                <a16:creationId xmlns:a16="http://schemas.microsoft.com/office/drawing/2014/main" id="{BE34C578-6E56-4C5C-BC2E-1E40BE3BF22A}"/>
+                <a16:creationId xmlns:a16="http://schemas.microsoft.com/office/drawing/2014/main" id="{789F6F7C-21E3-4F33-BE1C-BA951AF9E189}"/>
               </a:ext>
             </a:extLst>
           </p:cNvPr>
@@ -2424,7 +2425,7 @@
           <p:cNvPr id="3" name="コンテンツ プレースホルダー 2">
             <a:extLst>
               <a:ext uri="{FF2B5EF4-FFF2-40B4-BE49-F238E27FC236}">
-                <a16:creationId xmlns:a16="http://schemas.microsoft.com/office/drawing/2014/main" id="{DF859A9F-6862-4539-AE2A-7106BEC664C7}"/>
+                <a16:creationId xmlns:a16="http://schemas.microsoft.com/office/drawing/2014/main" id="{D408E2CE-0D1D-430F-B2C0-B850145B0B96}"/>
               </a:ext>
             </a:extLst>
           </p:cNvPr>
@@ -2546,7 +2547,7 @@
           <p:cNvPr id="4" name="テキスト プレースホルダー 3">
             <a:extLst>
               <a:ext uri="{FF2B5EF4-FFF2-40B4-BE49-F238E27FC236}">
-                <a16:creationId xmlns:a16="http://schemas.microsoft.com/office/drawing/2014/main" id="{FF1D328B-5E7F-4568-BFB0-7CFB07EDB84C}"/>
+                <a16:creationId xmlns:a16="http://schemas.microsoft.com/office/drawing/2014/main" id="{84865E4F-9124-43D0-A71A-26099A17FE23}"/>
               </a:ext>
             </a:extLst>
           </p:cNvPr>
@@ -2617,7 +2618,7 @@
           <p:cNvPr id="5" name="日付プレースホルダー 4">
             <a:extLst>
               <a:ext uri="{FF2B5EF4-FFF2-40B4-BE49-F238E27FC236}">
-                <a16:creationId xmlns:a16="http://schemas.microsoft.com/office/drawing/2014/main" id="{8DB4405E-F62C-4DB8-A4F6-A905033401C7}"/>
+                <a16:creationId xmlns:a16="http://schemas.microsoft.com/office/drawing/2014/main" id="{E9431416-A4E6-4306-BD17-C80E7044FF7A}"/>
               </a:ext>
             </a:extLst>
           </p:cNvPr>
@@ -2633,7 +2634,7 @@
           <a:bodyPr/>
           <a:lstStyle/>
           <a:p>
-            <a:fld id="{55637C89-12B0-46E0-BA09-2725E09CE6AD}" type="datetimeFigureOut">
+            <a:fld id="{F4B752F0-B167-4047-90A2-6A0EF4EE158B}" type="datetimeFigureOut">
               <a:rPr kumimoji="1" lang="ja-JP" altLang="en-US" smtClean="0"/>
               <a:t>2020/12/2</a:t>
             </a:fld>
@@ -2646,7 +2647,7 @@
           <p:cNvPr id="6" name="フッター プレースホルダー 5">
             <a:extLst>
               <a:ext uri="{FF2B5EF4-FFF2-40B4-BE49-F238E27FC236}">
-                <a16:creationId xmlns:a16="http://schemas.microsoft.com/office/drawing/2014/main" id="{16C177B1-4526-4586-91B7-14DBF244CB46}"/>
+                <a16:creationId xmlns:a16="http://schemas.microsoft.com/office/drawing/2014/main" id="{75616ED7-9500-456B-A0BA-42078327F1A3}"/>
               </a:ext>
             </a:extLst>
           </p:cNvPr>
@@ -2671,7 +2672,7 @@
           <p:cNvPr id="7" name="スライド番号プレースホルダー 6">
             <a:extLst>
               <a:ext uri="{FF2B5EF4-FFF2-40B4-BE49-F238E27FC236}">
-                <a16:creationId xmlns:a16="http://schemas.microsoft.com/office/drawing/2014/main" id="{B73FC416-A0A0-4BAC-ADEC-BE8A05205478}"/>
+                <a16:creationId xmlns:a16="http://schemas.microsoft.com/office/drawing/2014/main" id="{66105C9A-C3A6-4B8E-9436-CE7AD91D5C83}"/>
               </a:ext>
             </a:extLst>
           </p:cNvPr>
@@ -2687,7 +2688,7 @@
           <a:bodyPr/>
           <a:lstStyle/>
           <a:p>
-            <a:fld id="{47505DBD-E345-4A9D-8FD3-5E0ED5F2767B}" type="slidenum">
+            <a:fld id="{F92ECFDA-70EF-425D-B543-A99A83B4644A}" type="slidenum">
               <a:rPr kumimoji="1" lang="ja-JP" altLang="en-US" smtClean="0"/>
               <a:t>‹#›</a:t>
             </a:fld>
@@ -2698,7 +2699,7 @@
     </p:spTree>
     <p:extLst>
       <p:ext uri="{BB962C8B-B14F-4D97-AF65-F5344CB8AC3E}">
-        <p14:creationId xmlns:p14="http://schemas.microsoft.com/office/powerpoint/2010/main" val="2096977322"/>
+        <p14:creationId xmlns:p14="http://schemas.microsoft.com/office/powerpoint/2010/main" val="3385858290"/>
       </p:ext>
     </p:extLst>
   </p:cSld>
@@ -2730,7 +2731,7 @@
           <p:cNvPr id="2" name="タイトル 1">
             <a:extLst>
               <a:ext uri="{FF2B5EF4-FFF2-40B4-BE49-F238E27FC236}">
-                <a16:creationId xmlns:a16="http://schemas.microsoft.com/office/drawing/2014/main" id="{CC70C0FC-75BA-4B15-A5F3-80CF12FE68D8}"/>
+                <a16:creationId xmlns:a16="http://schemas.microsoft.com/office/drawing/2014/main" id="{70FC866D-4366-41D6-B819-1C85BE918CC7}"/>
               </a:ext>
             </a:extLst>
           </p:cNvPr>
@@ -2767,7 +2768,7 @@
           <p:cNvPr id="3" name="図プレースホルダー 2">
             <a:extLst>
               <a:ext uri="{FF2B5EF4-FFF2-40B4-BE49-F238E27FC236}">
-                <a16:creationId xmlns:a16="http://schemas.microsoft.com/office/drawing/2014/main" id="{227FE9A9-1015-4E00-82BC-E4F19BF3DC6C}"/>
+                <a16:creationId xmlns:a16="http://schemas.microsoft.com/office/drawing/2014/main" id="{16F065BD-9C89-45F4-8A6D-5E227A939D50}"/>
               </a:ext>
             </a:extLst>
           </p:cNvPr>
@@ -2834,7 +2835,7 @@
           <p:cNvPr id="4" name="テキスト プレースホルダー 3">
             <a:extLst>
               <a:ext uri="{FF2B5EF4-FFF2-40B4-BE49-F238E27FC236}">
-                <a16:creationId xmlns:a16="http://schemas.microsoft.com/office/drawing/2014/main" id="{8B0CF83A-F34A-4048-8B7A-BDB16C0EC5B4}"/>
+                <a16:creationId xmlns:a16="http://schemas.microsoft.com/office/drawing/2014/main" id="{CEFED601-E8DD-4B75-987D-1CF94BE505CA}"/>
               </a:ext>
             </a:extLst>
           </p:cNvPr>
@@ -2905,7 +2906,7 @@
           <p:cNvPr id="5" name="日付プレースホルダー 4">
             <a:extLst>
               <a:ext uri="{FF2B5EF4-FFF2-40B4-BE49-F238E27FC236}">
-                <a16:creationId xmlns:a16="http://schemas.microsoft.com/office/drawing/2014/main" id="{4AFCEC65-AD68-419D-9067-7EABB49A1246}"/>
+                <a16:creationId xmlns:a16="http://schemas.microsoft.com/office/drawing/2014/main" id="{2E0E6B5A-46B8-40B8-A570-81A58D506AA9}"/>
               </a:ext>
             </a:extLst>
           </p:cNvPr>
@@ -2921,7 +2922,7 @@
           <a:bodyPr/>
           <a:lstStyle/>
           <a:p>
-            <a:fld id="{55637C89-12B0-46E0-BA09-2725E09CE6AD}" type="datetimeFigureOut">
+            <a:fld id="{F4B752F0-B167-4047-90A2-6A0EF4EE158B}" type="datetimeFigureOut">
               <a:rPr kumimoji="1" lang="ja-JP" altLang="en-US" smtClean="0"/>
               <a:t>2020/12/2</a:t>
             </a:fld>
@@ -2934,7 +2935,7 @@
           <p:cNvPr id="6" name="フッター プレースホルダー 5">
             <a:extLst>
               <a:ext uri="{FF2B5EF4-FFF2-40B4-BE49-F238E27FC236}">
-                <a16:creationId xmlns:a16="http://schemas.microsoft.com/office/drawing/2014/main" id="{80CA730E-A495-4090-853B-0D1B55FC3CA2}"/>
+                <a16:creationId xmlns:a16="http://schemas.microsoft.com/office/drawing/2014/main" id="{997C5937-9C73-4EA9-BB20-40A225B28555}"/>
               </a:ext>
             </a:extLst>
           </p:cNvPr>
@@ -2959,7 +2960,7 @@
           <p:cNvPr id="7" name="スライド番号プレースホルダー 6">
             <a:extLst>
               <a:ext uri="{FF2B5EF4-FFF2-40B4-BE49-F238E27FC236}">
-                <a16:creationId xmlns:a16="http://schemas.microsoft.com/office/drawing/2014/main" id="{F10BC15B-E9EA-4648-ADA5-A236CF55B299}"/>
+                <a16:creationId xmlns:a16="http://schemas.microsoft.com/office/drawing/2014/main" id="{AE392486-BFBF-45CB-A9F4-8C3D5B9487F4}"/>
               </a:ext>
             </a:extLst>
           </p:cNvPr>
@@ -2975,7 +2976,7 @@
           <a:bodyPr/>
           <a:lstStyle/>
           <a:p>
-            <a:fld id="{47505DBD-E345-4A9D-8FD3-5E0ED5F2767B}" type="slidenum">
+            <a:fld id="{F92ECFDA-70EF-425D-B543-A99A83B4644A}" type="slidenum">
               <a:rPr kumimoji="1" lang="ja-JP" altLang="en-US" smtClean="0"/>
               <a:t>‹#›</a:t>
             </a:fld>
@@ -2986,7 +2987,7 @@
     </p:spTree>
     <p:extLst>
       <p:ext uri="{BB962C8B-B14F-4D97-AF65-F5344CB8AC3E}">
-        <p14:creationId xmlns:p14="http://schemas.microsoft.com/office/powerpoint/2010/main" val="3467728709"/>
+        <p14:creationId xmlns:p14="http://schemas.microsoft.com/office/powerpoint/2010/main" val="919424638"/>
       </p:ext>
     </p:extLst>
   </p:cSld>
@@ -3023,7 +3024,7 @@
           <p:cNvPr id="2" name="タイトル プレースホルダー 1">
             <a:extLst>
               <a:ext uri="{FF2B5EF4-FFF2-40B4-BE49-F238E27FC236}">
-                <a16:creationId xmlns:a16="http://schemas.microsoft.com/office/drawing/2014/main" id="{CCCF0D20-9EC4-4E59-B896-E637977170D2}"/>
+                <a16:creationId xmlns:a16="http://schemas.microsoft.com/office/drawing/2014/main" id="{AFE1D593-277B-42DB-A179-7CD0DB8F0FF0}"/>
               </a:ext>
             </a:extLst>
           </p:cNvPr>
@@ -3061,7 +3062,7 @@
           <p:cNvPr id="3" name="テキスト プレースホルダー 2">
             <a:extLst>
               <a:ext uri="{FF2B5EF4-FFF2-40B4-BE49-F238E27FC236}">
-                <a16:creationId xmlns:a16="http://schemas.microsoft.com/office/drawing/2014/main" id="{7045C7E9-73B6-485E-B421-2BDCDB1A29CF}"/>
+                <a16:creationId xmlns:a16="http://schemas.microsoft.com/office/drawing/2014/main" id="{50C1AA86-5AEC-4693-BB5F-81A704759B9A}"/>
               </a:ext>
             </a:extLst>
           </p:cNvPr>
@@ -3160,7 +3161,7 @@
           <p:cNvPr id="4" name="日付プレースホルダー 3">
             <a:extLst>
               <a:ext uri="{FF2B5EF4-FFF2-40B4-BE49-F238E27FC236}">
-                <a16:creationId xmlns:a16="http://schemas.microsoft.com/office/drawing/2014/main" id="{06512897-4237-4027-85A1-993F845F1255}"/>
+                <a16:creationId xmlns:a16="http://schemas.microsoft.com/office/drawing/2014/main" id="{1FDB3674-65AC-4D34-A897-3313DEAEA52D}"/>
               </a:ext>
             </a:extLst>
           </p:cNvPr>
@@ -3194,7 +3195,7 @@
             </a:lvl1pPr>
           </a:lstStyle>
           <a:p>
-            <a:fld id="{55637C89-12B0-46E0-BA09-2725E09CE6AD}" type="datetimeFigureOut">
+            <a:fld id="{F4B752F0-B167-4047-90A2-6A0EF4EE158B}" type="datetimeFigureOut">
               <a:rPr kumimoji="1" lang="ja-JP" altLang="en-US" smtClean="0"/>
               <a:t>2020/12/2</a:t>
             </a:fld>
@@ -3207,7 +3208,7 @@
           <p:cNvPr id="5" name="フッター プレースホルダー 4">
             <a:extLst>
               <a:ext uri="{FF2B5EF4-FFF2-40B4-BE49-F238E27FC236}">
-                <a16:creationId xmlns:a16="http://schemas.microsoft.com/office/drawing/2014/main" id="{702F8B56-E911-4B42-AD03-22EECC3E7DF6}"/>
+                <a16:creationId xmlns:a16="http://schemas.microsoft.com/office/drawing/2014/main" id="{C8292058-1EE7-4A62-8778-0750AD08A4FE}"/>
               </a:ext>
             </a:extLst>
           </p:cNvPr>
@@ -3250,7 +3251,7 @@
           <p:cNvPr id="6" name="スライド番号プレースホルダー 5">
             <a:extLst>
               <a:ext uri="{FF2B5EF4-FFF2-40B4-BE49-F238E27FC236}">
-                <a16:creationId xmlns:a16="http://schemas.microsoft.com/office/drawing/2014/main" id="{65AA5AA7-EA72-4DD5-8DD3-046AE877F4F0}"/>
+                <a16:creationId xmlns:a16="http://schemas.microsoft.com/office/drawing/2014/main" id="{7FAD410C-F4EA-4589-8422-BB281FB0A536}"/>
               </a:ext>
             </a:extLst>
           </p:cNvPr>
@@ -3284,7 +3285,7 @@
             </a:lvl1pPr>
           </a:lstStyle>
           <a:p>
-            <a:fld id="{47505DBD-E345-4A9D-8FD3-5E0ED5F2767B}" type="slidenum">
+            <a:fld id="{F92ECFDA-70EF-425D-B543-A99A83B4644A}" type="slidenum">
               <a:rPr kumimoji="1" lang="ja-JP" altLang="en-US" smtClean="0"/>
               <a:t>‹#›</a:t>
             </a:fld>
@@ -3295,7 +3296,7 @@
     </p:spTree>
     <p:extLst>
       <p:ext uri="{BB962C8B-B14F-4D97-AF65-F5344CB8AC3E}">
-        <p14:creationId xmlns:p14="http://schemas.microsoft.com/office/powerpoint/2010/main" val="811283217"/>
+        <p14:creationId xmlns:p14="http://schemas.microsoft.com/office/powerpoint/2010/main" val="3340808333"/>
       </p:ext>
     </p:extLst>
   </p:cSld>
@@ -3615,10 +3616,10 @@
       </p:grpSpPr>
       <p:pic>
         <p:nvPicPr>
-          <p:cNvPr id="7" name="図 6">
-            <a:extLst>
-              <a:ext uri="{FF2B5EF4-FFF2-40B4-BE49-F238E27FC236}">
-                <a16:creationId xmlns:a16="http://schemas.microsoft.com/office/drawing/2014/main" id="{CE38069E-AFE2-4AB9-9DA9-41AC2DB84F26}"/>
+          <p:cNvPr id="4" name="図 3">
+            <a:extLst>
+              <a:ext uri="{FF2B5EF4-FFF2-40B4-BE49-F238E27FC236}">
+                <a16:creationId xmlns:a16="http://schemas.microsoft.com/office/drawing/2014/main" id="{3EBDC6C2-DB49-4D93-A3BB-18B3756D3473}"/>
               </a:ext>
             </a:extLst>
           </p:cNvPr>
@@ -3635,7 +3636,7 @@
         </p:blipFill>
         <p:spPr>
           <a:xfrm>
-            <a:off x="330420" y="121637"/>
+            <a:off x="202085" y="233931"/>
             <a:ext cx="4761389" cy="2828789"/>
           </a:xfrm>
           <a:prstGeom prst="rect">
@@ -3645,10 +3646,10 @@
       </p:pic>
       <p:pic>
         <p:nvPicPr>
-          <p:cNvPr id="8" name="図 7">
-            <a:extLst>
-              <a:ext uri="{FF2B5EF4-FFF2-40B4-BE49-F238E27FC236}">
-                <a16:creationId xmlns:a16="http://schemas.microsoft.com/office/drawing/2014/main" id="{37327C14-7304-47AC-A6E5-DAC3C60DE8E5}"/>
+          <p:cNvPr id="5" name="図 4">
+            <a:extLst>
+              <a:ext uri="{FF2B5EF4-FFF2-40B4-BE49-F238E27FC236}">
+                <a16:creationId xmlns:a16="http://schemas.microsoft.com/office/drawing/2014/main" id="{223D7992-813B-47C8-81B6-2703635BC9B2}"/>
               </a:ext>
             </a:extLst>
           </p:cNvPr>
@@ -3665,8 +3666,8 @@
         </p:blipFill>
         <p:spPr>
           <a:xfrm>
-            <a:off x="3610175" y="551123"/>
-            <a:ext cx="4971649" cy="2981667"/>
+            <a:off x="3806753" y="307089"/>
+            <a:ext cx="4578493" cy="2755631"/>
           </a:xfrm>
           <a:prstGeom prst="rect">
             <a:avLst/>
@@ -3675,10 +3676,10 @@
       </p:pic>
       <p:pic>
         <p:nvPicPr>
-          <p:cNvPr id="9" name="図 8">
-            <a:extLst>
-              <a:ext uri="{FF2B5EF4-FFF2-40B4-BE49-F238E27FC236}">
-                <a16:creationId xmlns:a16="http://schemas.microsoft.com/office/drawing/2014/main" id="{EA34EDE5-72F8-46CA-879D-EF65445A7D1E}"/>
+          <p:cNvPr id="6" name="図 5">
+            <a:extLst>
+              <a:ext uri="{FF2B5EF4-FFF2-40B4-BE49-F238E27FC236}">
+                <a16:creationId xmlns:a16="http://schemas.microsoft.com/office/drawing/2014/main" id="{34C6BBA6-4E64-4DF1-8D16-5F003600A3B9}"/>
               </a:ext>
             </a:extLst>
           </p:cNvPr>
@@ -3695,7 +3696,7 @@
         </p:blipFill>
         <p:spPr>
           <a:xfrm>
-            <a:off x="7607411" y="864069"/>
+            <a:off x="7092336" y="380247"/>
             <a:ext cx="4584589" cy="2755631"/>
           </a:xfrm>
           <a:prstGeom prst="rect">
@@ -3705,10 +3706,10 @@
       </p:pic>
       <p:pic>
         <p:nvPicPr>
-          <p:cNvPr id="11" name="図 10">
-            <a:extLst>
-              <a:ext uri="{FF2B5EF4-FFF2-40B4-BE49-F238E27FC236}">
-                <a16:creationId xmlns:a16="http://schemas.microsoft.com/office/drawing/2014/main" id="{AEBA7FFA-81F5-4FEC-87D5-51451784A982}"/>
+          <p:cNvPr id="7" name="図 6">
+            <a:extLst>
+              <a:ext uri="{FF2B5EF4-FFF2-40B4-BE49-F238E27FC236}">
+                <a16:creationId xmlns:a16="http://schemas.microsoft.com/office/drawing/2014/main" id="{764C2F26-DD85-411A-8825-A26917A7D4D0}"/>
               </a:ext>
             </a:extLst>
           </p:cNvPr>
@@ -3725,8 +3726,8 @@
         </p:blipFill>
         <p:spPr>
           <a:xfrm>
-            <a:off x="330420" y="3619700"/>
-            <a:ext cx="4584589" cy="2755631"/>
+            <a:off x="-171689" y="4102367"/>
+            <a:ext cx="4578493" cy="2755631"/>
           </a:xfrm>
           <a:prstGeom prst="rect">
             <a:avLst/>
@@ -3735,10 +3736,10 @@
       </p:pic>
       <p:pic>
         <p:nvPicPr>
-          <p:cNvPr id="12" name="図 11">
-            <a:extLst>
-              <a:ext uri="{FF2B5EF4-FFF2-40B4-BE49-F238E27FC236}">
-                <a16:creationId xmlns:a16="http://schemas.microsoft.com/office/drawing/2014/main" id="{F020FFE4-B779-47C8-AEE4-E0D4B28AFDEB}"/>
+          <p:cNvPr id="9" name="図 8">
+            <a:extLst>
+              <a:ext uri="{FF2B5EF4-FFF2-40B4-BE49-F238E27FC236}">
+                <a16:creationId xmlns:a16="http://schemas.microsoft.com/office/drawing/2014/main" id="{D1210060-4F44-4657-A656-24E8A4AD79B4}"/>
               </a:ext>
             </a:extLst>
           </p:cNvPr>
@@ -3755,7 +3756,7 @@
         </p:blipFill>
         <p:spPr>
           <a:xfrm>
-            <a:off x="3022822" y="4102369"/>
+            <a:off x="3806753" y="4102368"/>
             <a:ext cx="4584589" cy="2755631"/>
           </a:xfrm>
           <a:prstGeom prst="rect">
@@ -3765,10 +3766,10 @@
       </p:pic>
       <p:pic>
         <p:nvPicPr>
-          <p:cNvPr id="13" name="図 12">
-            <a:extLst>
-              <a:ext uri="{FF2B5EF4-FFF2-40B4-BE49-F238E27FC236}">
-                <a16:creationId xmlns:a16="http://schemas.microsoft.com/office/drawing/2014/main" id="{F2421AED-8157-41DA-AA5D-A901DBF98377}"/>
+          <p:cNvPr id="10" name="図 9">
+            <a:extLst>
+              <a:ext uri="{FF2B5EF4-FFF2-40B4-BE49-F238E27FC236}">
+                <a16:creationId xmlns:a16="http://schemas.microsoft.com/office/drawing/2014/main" id="{0F328E36-D366-4D87-B88B-8AFF0F2F0851}"/>
               </a:ext>
             </a:extLst>
           </p:cNvPr>
@@ -3778,15 +3779,15 @@
           <p:nvPr/>
         </p:nvPicPr>
         <p:blipFill>
-          <a:blip r:embed="rId7"/>
+          <a:blip r:embed="rId6"/>
           <a:stretch>
             <a:fillRect/>
           </a:stretch>
         </p:blipFill>
         <p:spPr>
           <a:xfrm>
-            <a:off x="7302919" y="4189279"/>
-            <a:ext cx="4578493" cy="2755631"/>
+            <a:off x="7607411" y="4102369"/>
+            <a:ext cx="4584589" cy="2755631"/>
           </a:xfrm>
           <a:prstGeom prst="rect">
             <a:avLst/>
@@ -3796,7 +3797,7 @@
     </p:spTree>
     <p:extLst>
       <p:ext uri="{BB962C8B-B14F-4D97-AF65-F5344CB8AC3E}">
-        <p14:creationId xmlns:p14="http://schemas.microsoft.com/office/powerpoint/2010/main" val="504373995"/>
+        <p14:creationId xmlns:p14="http://schemas.microsoft.com/office/powerpoint/2010/main" val="1593348977"/>
       </p:ext>
     </p:extLst>
   </p:cSld>
@@ -3828,7 +3829,7 @@
           <p:cNvPr id="2" name="図 1">
             <a:extLst>
               <a:ext uri="{FF2B5EF4-FFF2-40B4-BE49-F238E27FC236}">
-                <a16:creationId xmlns:a16="http://schemas.microsoft.com/office/drawing/2014/main" id="{C2733A33-68FE-4599-9CDE-3735997D7BDF}"/>
+                <a16:creationId xmlns:a16="http://schemas.microsoft.com/office/drawing/2014/main" id="{3E48C76F-D66B-4FD3-8BD3-46005571D9E2}"/>
               </a:ext>
             </a:extLst>
           </p:cNvPr>
@@ -3845,8 +3846,8 @@
         </p:blipFill>
         <p:spPr>
           <a:xfrm>
-            <a:off x="338610" y="209391"/>
-            <a:ext cx="4584589" cy="2749534"/>
+            <a:off x="165195" y="382805"/>
+            <a:ext cx="4578493" cy="2755631"/>
           </a:xfrm>
           <a:prstGeom prst="rect">
             <a:avLst/>
@@ -3858,7 +3859,7 @@
           <p:cNvPr id="3" name="図 2">
             <a:extLst>
               <a:ext uri="{FF2B5EF4-FFF2-40B4-BE49-F238E27FC236}">
-                <a16:creationId xmlns:a16="http://schemas.microsoft.com/office/drawing/2014/main" id="{659B0434-02F6-4C2E-AE51-A54A29E26F92}"/>
+                <a16:creationId xmlns:a16="http://schemas.microsoft.com/office/drawing/2014/main" id="{AC91C255-DAAE-4F7B-8830-54C19EA34C0F}"/>
               </a:ext>
             </a:extLst>
           </p:cNvPr>
@@ -3875,7 +3876,7 @@
         </p:blipFill>
         <p:spPr>
           <a:xfrm>
-            <a:off x="4092463" y="247173"/>
+            <a:off x="4381221" y="388902"/>
             <a:ext cx="4584589" cy="2749534"/>
           </a:xfrm>
           <a:prstGeom prst="rect">
@@ -3888,7 +3889,7 @@
           <p:cNvPr id="4" name="図 3">
             <a:extLst>
               <a:ext uri="{FF2B5EF4-FFF2-40B4-BE49-F238E27FC236}">
-                <a16:creationId xmlns:a16="http://schemas.microsoft.com/office/drawing/2014/main" id="{86ACC327-84AB-4261-9645-6D746E507F6B}"/>
+                <a16:creationId xmlns:a16="http://schemas.microsoft.com/office/drawing/2014/main" id="{E5C704DB-B41F-43F3-961F-FE12AD15563E}"/>
               </a:ext>
             </a:extLst>
           </p:cNvPr>
@@ -3905,7 +3906,7 @@
         </p:blipFill>
         <p:spPr>
           <a:xfrm>
-            <a:off x="7557558" y="469676"/>
+            <a:off x="7607411" y="382805"/>
             <a:ext cx="4584589" cy="2755631"/>
           </a:xfrm>
           <a:prstGeom prst="rect">
@@ -3918,7 +3919,7 @@
           <p:cNvPr id="5" name="図 4">
             <a:extLst>
               <a:ext uri="{FF2B5EF4-FFF2-40B4-BE49-F238E27FC236}">
-                <a16:creationId xmlns:a16="http://schemas.microsoft.com/office/drawing/2014/main" id="{82F203BC-4502-4A26-9034-069D9AFEF0A6}"/>
+                <a16:creationId xmlns:a16="http://schemas.microsoft.com/office/drawing/2014/main" id="{AAD1AE7C-C1CA-4876-8CD9-EA893D861DF6}"/>
               </a:ext>
             </a:extLst>
           </p:cNvPr>
@@ -3935,7 +3936,7 @@
         </p:blipFill>
         <p:spPr>
           <a:xfrm>
-            <a:off x="213321" y="3623311"/>
+            <a:off x="165194" y="3781530"/>
             <a:ext cx="4578493" cy="2755631"/>
           </a:xfrm>
           <a:prstGeom prst="rect">
@@ -3948,7 +3949,7 @@
           <p:cNvPr id="6" name="図 5">
             <a:extLst>
               <a:ext uri="{FF2B5EF4-FFF2-40B4-BE49-F238E27FC236}">
-                <a16:creationId xmlns:a16="http://schemas.microsoft.com/office/drawing/2014/main" id="{9C8A2283-1A8D-4E97-B032-89C61548B16C}"/>
+                <a16:creationId xmlns:a16="http://schemas.microsoft.com/office/drawing/2014/main" id="{DD428827-6AC9-40C8-AF1B-2F18E9129D12}"/>
               </a:ext>
             </a:extLst>
           </p:cNvPr>
@@ -3965,8 +3966,8 @@
         </p:blipFill>
         <p:spPr>
           <a:xfrm>
-            <a:off x="3534037" y="3892978"/>
-            <a:ext cx="4578493" cy="2755631"/>
+            <a:off x="4381220" y="3713467"/>
+            <a:ext cx="4584589" cy="2755631"/>
           </a:xfrm>
           <a:prstGeom prst="rect">
             <a:avLst/>
@@ -3978,7 +3979,7 @@
           <p:cNvPr id="7" name="図 6">
             <a:extLst>
               <a:ext uri="{FF2B5EF4-FFF2-40B4-BE49-F238E27FC236}">
-                <a16:creationId xmlns:a16="http://schemas.microsoft.com/office/drawing/2014/main" id="{F7297F21-F520-43CE-A612-012BB987B066}"/>
+                <a16:creationId xmlns:a16="http://schemas.microsoft.com/office/drawing/2014/main" id="{544E9075-EF5F-4D62-975D-A0F455D38EC7}"/>
               </a:ext>
             </a:extLst>
           </p:cNvPr>
@@ -3995,7 +3996,7 @@
         </p:blipFill>
         <p:spPr>
           <a:xfrm>
-            <a:off x="7400188" y="3870440"/>
+            <a:off x="7607411" y="3645404"/>
             <a:ext cx="4584589" cy="2755631"/>
           </a:xfrm>
           <a:prstGeom prst="rect">
@@ -4006,7 +4007,7 @@
     </p:spTree>
     <p:extLst>
       <p:ext uri="{BB962C8B-B14F-4D97-AF65-F5344CB8AC3E}">
-        <p14:creationId xmlns:p14="http://schemas.microsoft.com/office/powerpoint/2010/main" val="2221133309"/>
+        <p14:creationId xmlns:p14="http://schemas.microsoft.com/office/powerpoint/2010/main" val="3372974118"/>
       </p:ext>
     </p:extLst>
   </p:cSld>
@@ -4038,7 +4039,7 @@
           <p:cNvPr id="2" name="図 1">
             <a:extLst>
               <a:ext uri="{FF2B5EF4-FFF2-40B4-BE49-F238E27FC236}">
-                <a16:creationId xmlns:a16="http://schemas.microsoft.com/office/drawing/2014/main" id="{317559E9-2860-495B-B63E-B18D43534550}"/>
+                <a16:creationId xmlns:a16="http://schemas.microsoft.com/office/drawing/2014/main" id="{CDCAF6C5-0F63-403D-88CA-AE1F164C3C4E}"/>
               </a:ext>
             </a:extLst>
           </p:cNvPr>
@@ -4055,8 +4056,8 @@
         </p:blipFill>
         <p:spPr>
           <a:xfrm>
-            <a:off x="0" y="240232"/>
-            <a:ext cx="4578493" cy="2755631"/>
+            <a:off x="0" y="289602"/>
+            <a:ext cx="4584589" cy="2749534"/>
           </a:xfrm>
           <a:prstGeom prst="rect">
             <a:avLst/>
@@ -4068,7 +4069,7 @@
           <p:cNvPr id="3" name="図 2">
             <a:extLst>
               <a:ext uri="{FF2B5EF4-FFF2-40B4-BE49-F238E27FC236}">
-                <a16:creationId xmlns:a16="http://schemas.microsoft.com/office/drawing/2014/main" id="{2BB53BEA-F183-466F-A8AD-A0A28EF4A484}"/>
+                <a16:creationId xmlns:a16="http://schemas.microsoft.com/office/drawing/2014/main" id="{5EF2B38A-E90C-421E-A6ED-A17408199850}"/>
               </a:ext>
             </a:extLst>
           </p:cNvPr>
@@ -4085,7 +4086,7 @@
         </p:blipFill>
         <p:spPr>
           <a:xfrm>
-            <a:off x="3803705" y="673369"/>
+            <a:off x="4236842" y="289602"/>
             <a:ext cx="4584589" cy="2755631"/>
           </a:xfrm>
           <a:prstGeom prst="rect">
@@ -4098,7 +4099,7 @@
           <p:cNvPr id="4" name="図 3">
             <a:extLst>
               <a:ext uri="{FF2B5EF4-FFF2-40B4-BE49-F238E27FC236}">
-                <a16:creationId xmlns:a16="http://schemas.microsoft.com/office/drawing/2014/main" id="{2E2E62A1-BED3-487C-830E-F15C39F3FFB9}"/>
+                <a16:creationId xmlns:a16="http://schemas.microsoft.com/office/drawing/2014/main" id="{1DD0C17A-EC48-4E29-9604-094DEDB650F9}"/>
               </a:ext>
             </a:extLst>
           </p:cNvPr>
@@ -4115,8 +4116,8 @@
         </p:blipFill>
         <p:spPr>
           <a:xfrm>
-            <a:off x="7400185" y="1040132"/>
-            <a:ext cx="4578493" cy="2755631"/>
+            <a:off x="7461305" y="289602"/>
+            <a:ext cx="4584589" cy="2755631"/>
           </a:xfrm>
           <a:prstGeom prst="rect">
             <a:avLst/>
@@ -4128,7 +4129,7 @@
           <p:cNvPr id="5" name="図 4">
             <a:extLst>
               <a:ext uri="{FF2B5EF4-FFF2-40B4-BE49-F238E27FC236}">
-                <a16:creationId xmlns:a16="http://schemas.microsoft.com/office/drawing/2014/main" id="{42EB9773-919E-426C-A2EC-C06E813C2C8A}"/>
+                <a16:creationId xmlns:a16="http://schemas.microsoft.com/office/drawing/2014/main" id="{6E5FCE69-6DB0-4194-B148-23D0A86D140A}"/>
               </a:ext>
             </a:extLst>
           </p:cNvPr>
@@ -4145,7 +4146,7 @@
         </p:blipFill>
         <p:spPr>
           <a:xfrm>
-            <a:off x="213323" y="3671437"/>
+            <a:off x="6096" y="3429000"/>
             <a:ext cx="4578493" cy="2755631"/>
           </a:xfrm>
           <a:prstGeom prst="rect">
@@ -4158,7 +4159,7 @@
           <p:cNvPr id="6" name="図 5">
             <a:extLst>
               <a:ext uri="{FF2B5EF4-FFF2-40B4-BE49-F238E27FC236}">
-                <a16:creationId xmlns:a16="http://schemas.microsoft.com/office/drawing/2014/main" id="{54EC2D65-576F-4C36-B76B-BBEA31AAD796}"/>
+                <a16:creationId xmlns:a16="http://schemas.microsoft.com/office/drawing/2014/main" id="{74DF09B2-806A-4F79-9DA9-2B43A3FD3D00}"/>
               </a:ext>
             </a:extLst>
           </p:cNvPr>
@@ -4175,8 +4176,8 @@
         </p:blipFill>
         <p:spPr>
           <a:xfrm>
-            <a:off x="3803705" y="3913874"/>
-            <a:ext cx="4578493" cy="2755631"/>
+            <a:off x="3026279" y="3422903"/>
+            <a:ext cx="4584589" cy="2755631"/>
           </a:xfrm>
           <a:prstGeom prst="rect">
             <a:avLst/>
@@ -4188,7 +4189,7 @@
           <p:cNvPr id="7" name="図 6">
             <a:extLst>
               <a:ext uri="{FF2B5EF4-FFF2-40B4-BE49-F238E27FC236}">
-                <a16:creationId xmlns:a16="http://schemas.microsoft.com/office/drawing/2014/main" id="{F5A664EE-21D6-4C67-96BE-D91FB0482A5A}"/>
+                <a16:creationId xmlns:a16="http://schemas.microsoft.com/office/drawing/2014/main" id="{A54252C8-1A82-4023-8799-999E7E4FF4E0}"/>
               </a:ext>
             </a:extLst>
           </p:cNvPr>
@@ -4205,8 +4206,8 @@
         </p:blipFill>
         <p:spPr>
           <a:xfrm>
-            <a:off x="7400185" y="4162526"/>
-            <a:ext cx="4584589" cy="2755631"/>
+            <a:off x="7461304" y="3429000"/>
+            <a:ext cx="4584589" cy="2749534"/>
           </a:xfrm>
           <a:prstGeom prst="rect">
             <a:avLst/>
@@ -4216,7 +4217,7 @@
     </p:spTree>
     <p:extLst>
       <p:ext uri="{BB962C8B-B14F-4D97-AF65-F5344CB8AC3E}">
-        <p14:creationId xmlns:p14="http://schemas.microsoft.com/office/powerpoint/2010/main" val="2875899492"/>
+        <p14:creationId xmlns:p14="http://schemas.microsoft.com/office/powerpoint/2010/main" val="956364112"/>
       </p:ext>
     </p:extLst>
   </p:cSld>
@@ -4248,7 +4249,7 @@
           <p:cNvPr id="2" name="図 1">
             <a:extLst>
               <a:ext uri="{FF2B5EF4-FFF2-40B4-BE49-F238E27FC236}">
-                <a16:creationId xmlns:a16="http://schemas.microsoft.com/office/drawing/2014/main" id="{86C87132-630D-4C4C-9461-AD1CB8A5CD8A}"/>
+                <a16:creationId xmlns:a16="http://schemas.microsoft.com/office/drawing/2014/main" id="{2182AE6B-472E-44EF-8460-38D786D0C0B7}"/>
               </a:ext>
             </a:extLst>
           </p:cNvPr>
@@ -4265,7 +4266,7 @@
         </p:blipFill>
         <p:spPr>
           <a:xfrm>
-            <a:off x="146105" y="254468"/>
+            <a:off x="0" y="4102369"/>
             <a:ext cx="4584589" cy="2755631"/>
           </a:xfrm>
           <a:prstGeom prst="rect">
@@ -4278,7 +4279,7 @@
           <p:cNvPr id="3" name="図 2">
             <a:extLst>
               <a:ext uri="{FF2B5EF4-FFF2-40B4-BE49-F238E27FC236}">
-                <a16:creationId xmlns:a16="http://schemas.microsoft.com/office/drawing/2014/main" id="{4B3EC7AE-CCF4-4922-AB5F-C48713BC46FB}"/>
+                <a16:creationId xmlns:a16="http://schemas.microsoft.com/office/drawing/2014/main" id="{FA0475B4-6CAB-4DAD-B905-DDC153FAB080}"/>
               </a:ext>
             </a:extLst>
           </p:cNvPr>
@@ -4295,8 +4296,8 @@
         </p:blipFill>
         <p:spPr>
           <a:xfrm>
-            <a:off x="3803705" y="382806"/>
-            <a:ext cx="4584589" cy="2755631"/>
+            <a:off x="4304059" y="4102368"/>
+            <a:ext cx="4578493" cy="2755631"/>
           </a:xfrm>
           <a:prstGeom prst="rect">
             <a:avLst/>
@@ -4305,10 +4306,10 @@
       </p:pic>
       <p:pic>
         <p:nvPicPr>
-          <p:cNvPr id="5" name="図 4">
-            <a:extLst>
-              <a:ext uri="{FF2B5EF4-FFF2-40B4-BE49-F238E27FC236}">
-                <a16:creationId xmlns:a16="http://schemas.microsoft.com/office/drawing/2014/main" id="{10D133B5-BB0B-42C7-8891-397A885A5FA7}"/>
+          <p:cNvPr id="4" name="図 3">
+            <a:extLst>
+              <a:ext uri="{FF2B5EF4-FFF2-40B4-BE49-F238E27FC236}">
+                <a16:creationId xmlns:a16="http://schemas.microsoft.com/office/drawing/2014/main" id="{19C5F6B9-A9C5-4795-A8CA-E1B49E5D45A1}"/>
               </a:ext>
             </a:extLst>
           </p:cNvPr>
@@ -4325,7 +4326,7 @@
         </p:blipFill>
         <p:spPr>
           <a:xfrm>
-            <a:off x="7365053" y="338690"/>
+            <a:off x="7607413" y="4102369"/>
             <a:ext cx="4584589" cy="2755631"/>
           </a:xfrm>
           <a:prstGeom prst="rect">
@@ -4335,10 +4336,10 @@
       </p:pic>
       <p:pic>
         <p:nvPicPr>
-          <p:cNvPr id="6" name="図 5">
-            <a:extLst>
-              <a:ext uri="{FF2B5EF4-FFF2-40B4-BE49-F238E27FC236}">
-                <a16:creationId xmlns:a16="http://schemas.microsoft.com/office/drawing/2014/main" id="{B1F413C9-E079-49CF-8CD8-B736D66372AC}"/>
+          <p:cNvPr id="5" name="図 4">
+            <a:extLst>
+              <a:ext uri="{FF2B5EF4-FFF2-40B4-BE49-F238E27FC236}">
+                <a16:creationId xmlns:a16="http://schemas.microsoft.com/office/drawing/2014/main" id="{FC0E846E-6B9E-4908-BB37-84F76D74896D}"/>
               </a:ext>
             </a:extLst>
           </p:cNvPr>
@@ -4355,8 +4356,8 @@
         </p:blipFill>
         <p:spPr>
           <a:xfrm>
-            <a:off x="163874" y="3719564"/>
-            <a:ext cx="4584589" cy="2755631"/>
+            <a:off x="357700" y="673369"/>
+            <a:ext cx="4578493" cy="2755631"/>
           </a:xfrm>
           <a:prstGeom prst="rect">
             <a:avLst/>
@@ -4365,10 +4366,10 @@
       </p:pic>
       <p:pic>
         <p:nvPicPr>
-          <p:cNvPr id="7" name="図 6">
-            <a:extLst>
-              <a:ext uri="{FF2B5EF4-FFF2-40B4-BE49-F238E27FC236}">
-                <a16:creationId xmlns:a16="http://schemas.microsoft.com/office/drawing/2014/main" id="{226F92FD-F768-4DF3-B45A-AB4300F7F6FB}"/>
+          <p:cNvPr id="6" name="図 5">
+            <a:extLst>
+              <a:ext uri="{FF2B5EF4-FFF2-40B4-BE49-F238E27FC236}">
+                <a16:creationId xmlns:a16="http://schemas.microsoft.com/office/drawing/2014/main" id="{C258BBB3-2ACC-45FE-B2F1-E15D0B01E3B9}"/>
               </a:ext>
             </a:extLst>
           </p:cNvPr>
@@ -4385,7 +4386,7 @@
         </p:blipFill>
         <p:spPr>
           <a:xfrm>
-            <a:off x="3803705" y="3803786"/>
+            <a:off x="3803705" y="673368"/>
             <a:ext cx="4584589" cy="2755631"/>
           </a:xfrm>
           <a:prstGeom prst="rect">
@@ -4395,10 +4396,10 @@
       </p:pic>
       <p:pic>
         <p:nvPicPr>
-          <p:cNvPr id="8" name="図 7">
-            <a:extLst>
-              <a:ext uri="{FF2B5EF4-FFF2-40B4-BE49-F238E27FC236}">
-                <a16:creationId xmlns:a16="http://schemas.microsoft.com/office/drawing/2014/main" id="{F5647167-BAC4-4157-AFC8-211D85562FC9}"/>
+          <p:cNvPr id="7" name="図 6">
+            <a:extLst>
+              <a:ext uri="{FF2B5EF4-FFF2-40B4-BE49-F238E27FC236}">
+                <a16:creationId xmlns:a16="http://schemas.microsoft.com/office/drawing/2014/main" id="{7131F86B-858A-432D-A4C2-D3C2BDDF67E5}"/>
               </a:ext>
             </a:extLst>
           </p:cNvPr>
@@ -4415,8 +4416,8 @@
         </p:blipFill>
         <p:spPr>
           <a:xfrm>
-            <a:off x="7223721" y="3732521"/>
-            <a:ext cx="4578493" cy="2749534"/>
+            <a:off x="7607411" y="673367"/>
+            <a:ext cx="4584589" cy="2755631"/>
           </a:xfrm>
           <a:prstGeom prst="rect">
             <a:avLst/>
@@ -4426,7 +4427,7 @@
     </p:spTree>
     <p:extLst>
       <p:ext uri="{BB962C8B-B14F-4D97-AF65-F5344CB8AC3E}">
-        <p14:creationId xmlns:p14="http://schemas.microsoft.com/office/powerpoint/2010/main" val="346341539"/>
+        <p14:creationId xmlns:p14="http://schemas.microsoft.com/office/powerpoint/2010/main" val="77756099"/>
       </p:ext>
     </p:extLst>
   </p:cSld>
@@ -4456,7 +4457,37 @@
     </p:spTree>
     <p:extLst>
       <p:ext uri="{BB962C8B-B14F-4D97-AF65-F5344CB8AC3E}">
-        <p14:creationId xmlns:p14="http://schemas.microsoft.com/office/powerpoint/2010/main" val="3905828009"/>
+        <p14:creationId xmlns:p14="http://schemas.microsoft.com/office/powerpoint/2010/main" val="166455820"/>
+      </p:ext>
+    </p:extLst>
+  </p:cSld>
+  <p:clrMapOvr>
+    <a:masterClrMapping/>
+  </p:clrMapOvr>
+</p:sld>
+</file>
+
+<file path=ppt/slides/slide6.xml><?xml version="1.0" encoding="utf-8"?>
+<p:sld xmlns:a="http://schemas.openxmlformats.org/drawingml/2006/main" xmlns:r="http://schemas.openxmlformats.org/officeDocument/2006/relationships" xmlns:p="http://schemas.openxmlformats.org/presentationml/2006/main">
+  <p:cSld>
+    <p:spTree>
+      <p:nvGrpSpPr>
+        <p:cNvPr id="1" name=""/>
+        <p:cNvGrpSpPr/>
+        <p:nvPr/>
+      </p:nvGrpSpPr>
+      <p:grpSpPr>
+        <a:xfrm>
+          <a:off x="0" y="0"/>
+          <a:ext cx="0" cy="0"/>
+          <a:chOff x="0" y="0"/>
+          <a:chExt cx="0" cy="0"/>
+        </a:xfrm>
+      </p:grpSpPr>
+    </p:spTree>
+    <p:extLst>
+      <p:ext uri="{BB962C8B-B14F-4D97-AF65-F5344CB8AC3E}">
+        <p14:creationId xmlns:p14="http://schemas.microsoft.com/office/powerpoint/2010/main" val="419005705"/>
       </p:ext>
     </p:extLst>
   </p:cSld>
